--- a/SwiftUI-Kit.pptx
+++ b/SwiftUI-Kit.pptx
@@ -5,7 +5,7 @@
     <p:sldMasterId id="2147483648" r:id="rId1"/>
   </p:sldMasterIdLst>
   <p:notesMasterIdLst>
-    <p:notesMasterId r:id="rId17"/>
+    <p:notesMasterId r:id="rId18"/>
   </p:notesMasterIdLst>
   <p:sldIdLst>
     <p:sldId id="256" r:id="rId2"/>
@@ -21,8 +21,9 @@
     <p:sldId id="266" r:id="rId12"/>
     <p:sldId id="267" r:id="rId13"/>
     <p:sldId id="269" r:id="rId14"/>
-    <p:sldId id="268" r:id="rId15"/>
-    <p:sldId id="270" r:id="rId16"/>
+    <p:sldId id="271" r:id="rId15"/>
+    <p:sldId id="268" r:id="rId16"/>
+    <p:sldId id="270" r:id="rId17"/>
   </p:sldIdLst>
   <p:sldSz cx="12192000" cy="6858000"/>
   <p:notesSz cx="6858000" cy="9144000"/>
@@ -14432,6 +14433,136 @@
           <p:cNvPr id="2" name="Title 1">
             <a:extLst>
               <a:ext uri="{FF2B5EF4-FFF2-40B4-BE49-F238E27FC236}">
+                <a16:creationId xmlns:a16="http://schemas.microsoft.com/office/drawing/2014/main" id="{BAECE944-5B35-DFD0-3642-DBD84E80F24C}"/>
+              </a:ext>
+            </a:extLst>
+          </p:cNvPr>
+          <p:cNvSpPr>
+            <a:spLocks noGrp="1"/>
+          </p:cNvSpPr>
+          <p:nvPr>
+            <p:ph type="title"/>
+          </p:nvPr>
+        </p:nvSpPr>
+        <p:spPr/>
+        <p:txBody>
+          <a:bodyPr/>
+          <a:lstStyle/>
+          <a:p>
+            <a:r>
+              <a:rPr lang="en-UA" dirty="0"/>
+              <a:t>SwiftUI and CoreData</a:t>
+            </a:r>
+          </a:p>
+        </p:txBody>
+      </p:sp>
+      <p:sp>
+        <p:nvSpPr>
+          <p:cNvPr id="3" name="Content Placeholder 2">
+            <a:extLst>
+              <a:ext uri="{FF2B5EF4-FFF2-40B4-BE49-F238E27FC236}">
+                <a16:creationId xmlns:a16="http://schemas.microsoft.com/office/drawing/2014/main" id="{BF04EFDC-09DF-53E4-CFD2-D0B4FF0FD5C5}"/>
+              </a:ext>
+            </a:extLst>
+          </p:cNvPr>
+          <p:cNvSpPr>
+            <a:spLocks noGrp="1"/>
+          </p:cNvSpPr>
+          <p:nvPr>
+            <p:ph idx="1"/>
+          </p:nvPr>
+        </p:nvSpPr>
+        <p:spPr/>
+        <p:txBody>
+          <a:bodyPr/>
+          <a:lstStyle/>
+          <a:p>
+            <a:r>
+              <a:rPr lang="en-UA" dirty="0"/>
+              <a:t>Define managed object context under App class that is the main for the app</a:t>
+            </a:r>
+          </a:p>
+          <a:p>
+            <a:r>
+              <a:rPr lang="en-UA" dirty="0"/>
+              <a:t>Use environment varibale where you need to get any data from core data</a:t>
+            </a:r>
+          </a:p>
+          <a:p>
+            <a:pPr marL="0" indent="0" algn="r">
+              <a:buNone/>
+            </a:pPr>
+            <a:r>
+              <a:rPr lang="en-GB" dirty="0"/>
+              <a:t>@Environment(\.</a:t>
+            </a:r>
+            <a:r>
+              <a:rPr lang="en-GB" dirty="0" err="1"/>
+              <a:t>managedObjectContext</a:t>
+            </a:r>
+            <a:r>
+              <a:rPr lang="en-GB" dirty="0"/>
+              <a:t>) </a:t>
+            </a:r>
+            <a:r>
+              <a:rPr lang="en-GB" i="1" dirty="0"/>
+              <a:t>private</a:t>
+            </a:r>
+            <a:r>
+              <a:rPr lang="en-GB" dirty="0"/>
+              <a:t> </a:t>
+            </a:r>
+            <a:r>
+              <a:rPr lang="en-GB" i="1" dirty="0"/>
+              <a:t>var</a:t>
+            </a:r>
+            <a:r>
+              <a:rPr lang="en-GB" dirty="0"/>
+              <a:t> </a:t>
+            </a:r>
+            <a:r>
+              <a:rPr lang="en-GB" dirty="0" err="1"/>
+              <a:t>viewContext</a:t>
+            </a:r>
+            <a:endParaRPr lang="en-UA" dirty="0"/>
+          </a:p>
+        </p:txBody>
+      </p:sp>
+    </p:spTree>
+    <p:extLst>
+      <p:ext uri="{BB962C8B-B14F-4D97-AF65-F5344CB8AC3E}">
+        <p14:creationId xmlns:p14="http://schemas.microsoft.com/office/powerpoint/2010/main" val="146758442"/>
+      </p:ext>
+    </p:extLst>
+  </p:cSld>
+  <p:clrMapOvr>
+    <a:masterClrMapping/>
+  </p:clrMapOvr>
+</p:sld>
+</file>
+
+<file path=ppt/slides/slide15.xml><?xml version="1.0" encoding="utf-8"?>
+<p:sld xmlns:a="http://schemas.openxmlformats.org/drawingml/2006/main" xmlns:r="http://schemas.openxmlformats.org/officeDocument/2006/relationships" xmlns:p="http://schemas.openxmlformats.org/presentationml/2006/main">
+  <p:cSld>
+    <p:spTree>
+      <p:nvGrpSpPr>
+        <p:cNvPr id="1" name=""/>
+        <p:cNvGrpSpPr/>
+        <p:nvPr/>
+      </p:nvGrpSpPr>
+      <p:grpSpPr>
+        <a:xfrm>
+          <a:off x="0" y="0"/>
+          <a:ext cx="0" cy="0"/>
+          <a:chOff x="0" y="0"/>
+          <a:chExt cx="0" cy="0"/>
+        </a:xfrm>
+      </p:grpSpPr>
+      <p:sp>
+        <p:nvSpPr>
+          <p:cNvPr id="2" name="Title 1">
+            <a:extLst>
+              <a:ext uri="{FF2B5EF4-FFF2-40B4-BE49-F238E27FC236}">
                 <a16:creationId xmlns:a16="http://schemas.microsoft.com/office/drawing/2014/main" id="{D646E27D-3080-1EB3-043E-9D82CE058DAF}"/>
               </a:ext>
             </a:extLst>
@@ -14619,7 +14750,7 @@
 </p:sld>
 </file>
 
-<file path=ppt/slides/slide15.xml><?xml version="1.0" encoding="utf-8"?>
+<file path=ppt/slides/slide16.xml><?xml version="1.0" encoding="utf-8"?>
 <p:sld xmlns:a="http://schemas.openxmlformats.org/drawingml/2006/main" xmlns:r="http://schemas.openxmlformats.org/officeDocument/2006/relationships" xmlns:p="http://schemas.openxmlformats.org/presentationml/2006/main">
   <p:cSld>
     <p:spTree>

--- a/SwiftUI-Kit.pptx
+++ b/SwiftUI-Kit.pptx
@@ -11,13 +11,13 @@
     <p:sldId id="256" r:id="rId2"/>
     <p:sldId id="257" r:id="rId3"/>
     <p:sldId id="258" r:id="rId4"/>
-    <p:sldId id="259" r:id="rId5"/>
-    <p:sldId id="260" r:id="rId6"/>
-    <p:sldId id="264" r:id="rId7"/>
-    <p:sldId id="261" r:id="rId8"/>
-    <p:sldId id="262" r:id="rId9"/>
-    <p:sldId id="263" r:id="rId10"/>
-    <p:sldId id="265" r:id="rId11"/>
+    <p:sldId id="265" r:id="rId5"/>
+    <p:sldId id="259" r:id="rId6"/>
+    <p:sldId id="260" r:id="rId7"/>
+    <p:sldId id="264" r:id="rId8"/>
+    <p:sldId id="261" r:id="rId9"/>
+    <p:sldId id="262" r:id="rId10"/>
+    <p:sldId id="263" r:id="rId11"/>
     <p:sldId id="266" r:id="rId12"/>
     <p:sldId id="267" r:id="rId13"/>
     <p:sldId id="269" r:id="rId14"/>
@@ -212,7 +212,7 @@
           <a:p>
             <a:fld id="{3DBEAB39-4565-704A-9939-FBDB7415E1D3}" type="datetimeFigureOut">
               <a:rPr lang="en-UA" smtClean="0"/>
-              <a:t>08.05.2022</a:t>
+              <a:t>10.05.2022</a:t>
             </a:fld>
             <a:endParaRPr lang="en-UA"/>
           </a:p>
@@ -545,7 +545,7 @@
           <a:p>
             <a:fld id="{63143AD6-FA94-CD4E-B8AE-A03D01FEA04E}" type="slidenum">
               <a:rPr lang="en-UA" smtClean="0"/>
-              <a:t>8</a:t>
+              <a:t>9</a:t>
             </a:fld>
             <a:endParaRPr lang="en-UA"/>
           </a:p>
@@ -900,7 +900,7 @@
             <a:fld id="{5923F103-BC34-4FE4-A40E-EDDEECFDA5D0}" type="datetimeFigureOut">
               <a:rPr lang="en-US" dirty="0"/>
               <a:pPr/>
-              <a:t>5/8/22</a:t>
+              <a:t>5/10/22</a:t>
             </a:fld>
             <a:endParaRPr lang="en-US" dirty="0"/>
           </a:p>
@@ -1984,7 +1984,7 @@
           <a:p>
             <a:fld id="{923A1CC3-2375-41D4-9E03-427CAF2A4C1A}" type="datetimeFigureOut">
               <a:rPr lang="en-US" dirty="0"/>
-              <a:t>5/8/22</a:t>
+              <a:t>5/10/22</a:t>
             </a:fld>
             <a:endParaRPr lang="en-US" dirty="0"/>
           </a:p>
@@ -2960,7 +2960,7 @@
           <a:p>
             <a:fld id="{AFF16868-8199-4C2C-A5B1-63AEE139F88E}" type="datetimeFigureOut">
               <a:rPr lang="en-US" dirty="0"/>
-              <a:t>5/8/22</a:t>
+              <a:t>5/10/22</a:t>
             </a:fld>
             <a:endParaRPr lang="en-US" dirty="0"/>
           </a:p>
@@ -4090,7 +4090,7 @@
           <a:p>
             <a:fld id="{AAD9FF7F-6988-44CC-821B-644E70CD2F73}" type="datetimeFigureOut">
               <a:rPr lang="en-US" dirty="0"/>
-              <a:t>5/8/22</a:t>
+              <a:t>5/10/22</a:t>
             </a:fld>
             <a:endParaRPr lang="en-US" dirty="0"/>
           </a:p>
@@ -5119,7 +5119,7 @@
           <a:p>
             <a:fld id="{5C12C299-16B2-4475-990D-751901EACC14}" type="datetimeFigureOut">
               <a:rPr lang="en-US" dirty="0"/>
-              <a:t>5/8/22</a:t>
+              <a:t>5/10/22</a:t>
             </a:fld>
             <a:endParaRPr lang="en-US" dirty="0"/>
           </a:p>
@@ -5775,7 +5775,7 @@
           <a:p>
             <a:fld id="{9FE86839-B9D8-4651-8783-F325ECE74E65}" type="datetimeFigureOut">
               <a:rPr lang="en-US" dirty="0"/>
-              <a:t>5/8/22</a:t>
+              <a:t>5/10/22</a:t>
             </a:fld>
             <a:endParaRPr lang="en-US" dirty="0"/>
           </a:p>
@@ -6632,7 +6632,7 @@
           <a:p>
             <a:fld id="{FD484F64-32F6-45C5-931F-ADC1662401D0}" type="datetimeFigureOut">
               <a:rPr lang="en-US" dirty="0"/>
-              <a:t>5/8/22</a:t>
+              <a:t>5/10/22</a:t>
             </a:fld>
             <a:endParaRPr lang="en-US" dirty="0"/>
           </a:p>
@@ -6818,7 +6818,7 @@
           <a:p>
             <a:fld id="{53086D93-FCAC-47E0-A2EE-787E62CA814C}" type="datetimeFigureOut">
               <a:rPr lang="en-US" dirty="0"/>
-              <a:t>5/8/22</a:t>
+              <a:t>5/10/22</a:t>
             </a:fld>
             <a:endParaRPr lang="en-US" dirty="0"/>
           </a:p>
@@ -7786,7 +7786,7 @@
           <a:p>
             <a:fld id="{CDA879A6-0FD0-4734-A311-86BFCA472E6E}" type="datetimeFigureOut">
               <a:rPr lang="en-US" dirty="0"/>
-              <a:t>5/8/22</a:t>
+              <a:t>5/10/22</a:t>
             </a:fld>
             <a:endParaRPr lang="en-US" dirty="0"/>
           </a:p>
@@ -7993,7 +7993,7 @@
           <a:p>
             <a:fld id="{19C9CA7B-DFD4-44B5-8C60-D14B8CD1FB59}" type="datetimeFigureOut">
               <a:rPr lang="en-US" dirty="0"/>
-              <a:t>5/8/22</a:t>
+              <a:t>5/10/22</a:t>
             </a:fld>
             <a:endParaRPr lang="en-US" dirty="0"/>
           </a:p>
@@ -9023,7 +9023,7 @@
           <a:p>
             <a:fld id="{F34E6425-0181-43F2-84FC-787E803FD2F8}" type="datetimeFigureOut">
               <a:rPr lang="en-US" dirty="0"/>
-              <a:t>5/8/22</a:t>
+              <a:t>5/10/22</a:t>
             </a:fld>
             <a:endParaRPr lang="en-US" dirty="0"/>
           </a:p>
@@ -9291,7 +9291,7 @@
           <a:p>
             <a:fld id="{3BDB8791-F1B0-41E7-B7FD-A781E65C4266}" type="datetimeFigureOut">
               <a:rPr lang="en-US" dirty="0"/>
-              <a:t>5/8/22</a:t>
+              <a:t>5/10/22</a:t>
             </a:fld>
             <a:endParaRPr lang="en-US" dirty="0"/>
           </a:p>
@@ -9697,7 +9697,7 @@
           <a:p>
             <a:fld id="{5FDD63B2-E120-4ED8-B27B-C685F510A5FE}" type="datetimeFigureOut">
               <a:rPr lang="en-US" dirty="0"/>
-              <a:t>5/8/22</a:t>
+              <a:t>5/10/22</a:t>
             </a:fld>
             <a:endParaRPr lang="en-US" dirty="0"/>
           </a:p>
@@ -9820,7 +9820,7 @@
           <a:p>
             <a:fld id="{7AA18ACC-A947-437B-A130-35BD54FDF1E9}" type="datetimeFigureOut">
               <a:rPr lang="en-US" dirty="0"/>
-              <a:t>5/8/22</a:t>
+              <a:t>5/10/22</a:t>
             </a:fld>
             <a:endParaRPr lang="en-US" dirty="0"/>
           </a:p>
@@ -9911,7 +9911,7 @@
           <a:p>
             <a:fld id="{7C8D7E02-BCB8-4D50-A234-369438C08659}" type="datetimeFigureOut">
               <a:rPr lang="en-US" dirty="0"/>
-              <a:t>5/8/22</a:t>
+              <a:t>5/10/22</a:t>
             </a:fld>
             <a:endParaRPr lang="en-US" dirty="0"/>
           </a:p>
@@ -10988,7 +10988,7 @@
           <a:p>
             <a:fld id="{76E86A4C-8E40-4F87-A4F0-01A0687C5742}" type="datetimeFigureOut">
               <a:rPr lang="en-US" dirty="0"/>
-              <a:t>5/8/22</a:t>
+              <a:t>5/10/22</a:t>
             </a:fld>
             <a:endParaRPr lang="en-US" dirty="0"/>
           </a:p>
@@ -12092,7 +12092,7 @@
           <a:p>
             <a:fld id="{35E72C73-2D91-4E12-BA25-F0AA0C03599B}" type="datetimeFigureOut">
               <a:rPr lang="en-US" dirty="0"/>
-              <a:t>5/8/22</a:t>
+              <a:t>5/10/22</a:t>
             </a:fld>
             <a:endParaRPr lang="en-US" dirty="0"/>
           </a:p>
@@ -13085,7 +13085,7 @@
           <a:p>
             <a:fld id="{2BE451C3-0FF4-47C4-B829-773ADF60F88C}" type="datetimeFigureOut">
               <a:rPr lang="en-US" dirty="0"/>
-              <a:t>5/8/22</a:t>
+              <a:t>5/10/22</a:t>
             </a:fld>
             <a:endParaRPr lang="en-US" dirty="0"/>
           </a:p>
@@ -13735,7 +13735,7 @@
           <p:cNvPr id="2" name="Title 1">
             <a:extLst>
               <a:ext uri="{FF2B5EF4-FFF2-40B4-BE49-F238E27FC236}">
-                <a16:creationId xmlns:a16="http://schemas.microsoft.com/office/drawing/2014/main" id="{071954F5-F584-A757-0905-CD6ECC895360}"/>
+                <a16:creationId xmlns:a16="http://schemas.microsoft.com/office/drawing/2014/main" id="{BF98816B-A2A9-8B0B-5DA2-7EE53375F753}"/>
               </a:ext>
             </a:extLst>
           </p:cNvPr>
@@ -13753,8 +13753,8 @@
           <a:p>
             <a:pPr algn="r"/>
             <a:r>
-              <a:rPr lang="en-GB" dirty="0"/>
-              <a:t>Opaque Types</a:t>
+              <a:rPr lang="en-GB" b="1" dirty="0"/>
+              <a:t>Lists and Navigation</a:t>
             </a:r>
           </a:p>
         </p:txBody>
@@ -13764,7 +13764,7 @@
           <p:cNvPr id="3" name="Content Placeholder 2">
             <a:extLst>
               <a:ext uri="{FF2B5EF4-FFF2-40B4-BE49-F238E27FC236}">
-                <a16:creationId xmlns:a16="http://schemas.microsoft.com/office/drawing/2014/main" id="{E4CFCD61-7330-0C77-AB50-4E8D33038AD3}"/>
+                <a16:creationId xmlns:a16="http://schemas.microsoft.com/office/drawing/2014/main" id="{8AB50ED3-3BCE-4FD7-2F39-6C08E2AA38FE}"/>
               </a:ext>
             </a:extLst>
           </p:cNvPr>
@@ -13777,128 +13777,86 @@
         </p:nvSpPr>
         <p:spPr/>
         <p:txBody>
-          <a:bodyPr>
-            <a:normAutofit lnSpcReduction="10000"/>
-          </a:bodyPr>
+          <a:bodyPr/>
           <a:lstStyle/>
           <a:p>
-            <a:r>
-              <a:rPr lang="en-GB" b="1" i="1" dirty="0"/>
-              <a:t>var</a:t>
-            </a:r>
-            <a:r>
-              <a:rPr lang="en-GB" i="1" dirty="0"/>
-              <a:t> body: </a:t>
-            </a:r>
-            <a:r>
-              <a:rPr lang="en-GB" b="1" i="1" dirty="0"/>
-              <a:t>some</a:t>
-            </a:r>
-            <a:r>
-              <a:rPr lang="en-GB" i="1" dirty="0"/>
-              <a:t> View</a:t>
-            </a:r>
-          </a:p>
-          <a:p>
-            <a:r>
-              <a:rPr lang="en-GB" b="1" i="1" dirty="0"/>
-              <a:t>var</a:t>
-            </a:r>
-            <a:r>
-              <a:rPr lang="en-GB" i="1" dirty="0"/>
-              <a:t> body: View</a:t>
-            </a:r>
-          </a:p>
-          <a:p>
             <a:pPr marL="0" indent="0">
               <a:buNone/>
             </a:pPr>
-            <a:endParaRPr lang="en-GB" i="1" dirty="0"/>
-          </a:p>
-          <a:p>
-            <a:pPr marL="0" indent="0">
-              <a:buNone/>
-            </a:pPr>
+            <a:r>
+              <a:rPr lang="en-UA" dirty="0"/>
+              <a:t>Creating components that refers to the multiple elements are performed with elements:</a:t>
+            </a:r>
+          </a:p>
+          <a:p>
             <a:r>
               <a:rPr lang="en-GB" dirty="0"/>
-              <a:t>A function or method with an opaque return type hides its return value’s type information. Instead of providing a concrete type as the function’s return type, the return value is described in terms of the protocols it supports. Hiding type information is useful at boundaries between a module and code that calls into the module, because the underlying type of the return value can remain private. Unlike returning a value whose type is a protocol type, opaque types preserve type identity—the compiler has access to the type information, but clients of the module don’t.</a:t>
-            </a:r>
-            <a:endParaRPr lang="en-GB" i="1" dirty="0"/>
-          </a:p>
-          <a:p>
-            <a:pPr marL="0" indent="0">
-              <a:buNone/>
-            </a:pPr>
+              <a:t>List – to create similar view to table view</a:t>
+            </a:r>
+          </a:p>
+          <a:p>
+            <a:r>
+              <a:rPr lang="en-GB" dirty="0" err="1"/>
+              <a:t>ForEach</a:t>
+            </a:r>
+            <a:r>
+              <a:rPr lang="en-GB" dirty="0"/>
+              <a:t> – takes a list of elements with section separation and control. </a:t>
+            </a:r>
+            <a:r>
+              <a:rPr lang="en-GB" dirty="0" err="1"/>
+              <a:t>Comonly</a:t>
+            </a:r>
+            <a:r>
+              <a:rPr lang="en-GB" dirty="0"/>
+              <a:t> is used under List parent to define scrollable area</a:t>
+            </a:r>
+          </a:p>
+          <a:p>
+            <a:r>
+              <a:rPr lang="en-GB" dirty="0" err="1"/>
+              <a:t>ScrollView</a:t>
+            </a:r>
+            <a:r>
+              <a:rPr lang="en-GB" dirty="0"/>
+              <a:t> – takes views that can be extended to be able to scroll items if they are out of the screen</a:t>
+            </a:r>
+          </a:p>
+          <a:p>
+            <a:r>
+              <a:rPr lang="en-GB" dirty="0" err="1"/>
+              <a:t>NavigationView</a:t>
+            </a:r>
+            <a:r>
+              <a:rPr lang="en-GB" dirty="0"/>
+              <a:t> and </a:t>
+            </a:r>
+            <a:r>
+              <a:rPr lang="en-GB" dirty="0" err="1"/>
+              <a:t>NavigationLink</a:t>
+            </a:r>
+            <a:r>
+              <a:rPr lang="en-GB" dirty="0"/>
+              <a:t> – elements that represents navigation in the app. Commonly are similar to </a:t>
+            </a:r>
+            <a:r>
+              <a:rPr lang="en-GB" dirty="0" err="1"/>
+              <a:t>UINavigationViewController</a:t>
+            </a:r>
+            <a:r>
+              <a:rPr lang="en-GB" dirty="0"/>
+              <a:t> but are less responsible for the presentation and defining only the routing</a:t>
+            </a:r>
+          </a:p>
+          <a:p>
             <a:endParaRPr lang="en-UA" dirty="0"/>
-          </a:p>
-          <a:p>
-            <a:pPr marL="0" indent="0">
-              <a:buNone/>
-            </a:pPr>
-            <a:endParaRPr lang="en-UA" dirty="0"/>
-          </a:p>
-        </p:txBody>
-      </p:sp>
-      <p:sp>
-        <p:nvSpPr>
-          <p:cNvPr id="4" name="TextBox 3">
-            <a:extLst>
-              <a:ext uri="{FF2B5EF4-FFF2-40B4-BE49-F238E27FC236}">
-                <a16:creationId xmlns:a16="http://schemas.microsoft.com/office/drawing/2014/main" id="{A5581403-0F74-748C-CDB9-BC18E2432E93}"/>
-              </a:ext>
-            </a:extLst>
-          </p:cNvPr>
-          <p:cNvSpPr txBox="1"/>
-          <p:nvPr/>
-        </p:nvSpPr>
-        <p:spPr>
-          <a:xfrm>
-            <a:off x="1154954" y="6087894"/>
-            <a:ext cx="8900809" cy="369332"/>
-          </a:xfrm>
-          <a:prstGeom prst="rect">
-            <a:avLst/>
-          </a:prstGeom>
-          <a:noFill/>
-        </p:spPr>
-        <p:txBody>
-          <a:bodyPr wrap="square" rtlCol="0">
-            <a:spAutoFit/>
-          </a:bodyPr>
-          <a:lstStyle/>
-          <a:p>
-            <a:r>
-              <a:rPr lang="en-GB" i="1" u="sng" dirty="0"/>
-              <a:t>https://</a:t>
-            </a:r>
-            <a:r>
-              <a:rPr lang="en-GB" i="1" u="sng" dirty="0" err="1"/>
-              <a:t>docs.swift.org</a:t>
-            </a:r>
-            <a:r>
-              <a:rPr lang="en-GB" i="1" u="sng" dirty="0"/>
-              <a:t>/swift-book/</a:t>
-            </a:r>
-            <a:r>
-              <a:rPr lang="en-GB" i="1" u="sng" dirty="0" err="1"/>
-              <a:t>LanguageGuide</a:t>
-            </a:r>
-            <a:r>
-              <a:rPr lang="en-GB" i="1" u="sng" dirty="0"/>
-              <a:t>/</a:t>
-            </a:r>
-            <a:r>
-              <a:rPr lang="en-GB" i="1" u="sng" dirty="0" err="1"/>
-              <a:t>OpaqueTypes.html</a:t>
-            </a:r>
-            <a:endParaRPr lang="en-UA" i="1" u="sng" dirty="0"/>
           </a:p>
         </p:txBody>
       </p:sp>
     </p:spTree>
     <p:extLst>
       <p:ext uri="{BB962C8B-B14F-4D97-AF65-F5344CB8AC3E}">
-        <p14:creationId xmlns:p14="http://schemas.microsoft.com/office/powerpoint/2010/main" val="2878704641"/>
+        <p14:creationId xmlns:p14="http://schemas.microsoft.com/office/powerpoint/2010/main" val="2111091843"/>
       </p:ext>
     </p:extLst>
   </p:cSld>
@@ -15499,6 +15457,204 @@
           <p:cNvPr id="2" name="Title 1">
             <a:extLst>
               <a:ext uri="{FF2B5EF4-FFF2-40B4-BE49-F238E27FC236}">
+                <a16:creationId xmlns:a16="http://schemas.microsoft.com/office/drawing/2014/main" id="{071954F5-F584-A757-0905-CD6ECC895360}"/>
+              </a:ext>
+            </a:extLst>
+          </p:cNvPr>
+          <p:cNvSpPr>
+            <a:spLocks noGrp="1"/>
+          </p:cNvSpPr>
+          <p:nvPr>
+            <p:ph type="title"/>
+          </p:nvPr>
+        </p:nvSpPr>
+        <p:spPr/>
+        <p:txBody>
+          <a:bodyPr/>
+          <a:lstStyle/>
+          <a:p>
+            <a:pPr algn="r"/>
+            <a:r>
+              <a:rPr lang="en-GB" dirty="0"/>
+              <a:t>Opaque Types</a:t>
+            </a:r>
+          </a:p>
+        </p:txBody>
+      </p:sp>
+      <p:sp>
+        <p:nvSpPr>
+          <p:cNvPr id="3" name="Content Placeholder 2">
+            <a:extLst>
+              <a:ext uri="{FF2B5EF4-FFF2-40B4-BE49-F238E27FC236}">
+                <a16:creationId xmlns:a16="http://schemas.microsoft.com/office/drawing/2014/main" id="{E4CFCD61-7330-0C77-AB50-4E8D33038AD3}"/>
+              </a:ext>
+            </a:extLst>
+          </p:cNvPr>
+          <p:cNvSpPr>
+            <a:spLocks noGrp="1"/>
+          </p:cNvSpPr>
+          <p:nvPr>
+            <p:ph idx="1"/>
+          </p:nvPr>
+        </p:nvSpPr>
+        <p:spPr/>
+        <p:txBody>
+          <a:bodyPr>
+            <a:normAutofit lnSpcReduction="10000"/>
+          </a:bodyPr>
+          <a:lstStyle/>
+          <a:p>
+            <a:r>
+              <a:rPr lang="en-GB" b="1" i="1" dirty="0"/>
+              <a:t>var</a:t>
+            </a:r>
+            <a:r>
+              <a:rPr lang="en-GB" i="1" dirty="0"/>
+              <a:t> body: </a:t>
+            </a:r>
+            <a:r>
+              <a:rPr lang="en-GB" b="1" i="1" dirty="0"/>
+              <a:t>some</a:t>
+            </a:r>
+            <a:r>
+              <a:rPr lang="en-GB" i="1" dirty="0"/>
+              <a:t> View</a:t>
+            </a:r>
+          </a:p>
+          <a:p>
+            <a:r>
+              <a:rPr lang="en-GB" b="1" i="1" dirty="0"/>
+              <a:t>var</a:t>
+            </a:r>
+            <a:r>
+              <a:rPr lang="en-GB" i="1" dirty="0"/>
+              <a:t> body: View</a:t>
+            </a:r>
+          </a:p>
+          <a:p>
+            <a:pPr marL="0" indent="0">
+              <a:buNone/>
+            </a:pPr>
+            <a:endParaRPr lang="en-GB" i="1" dirty="0"/>
+          </a:p>
+          <a:p>
+            <a:pPr marL="0" indent="0">
+              <a:buNone/>
+            </a:pPr>
+            <a:r>
+              <a:rPr lang="en-GB" dirty="0"/>
+              <a:t>A function or method with an opaque return type hides its return value’s type information. Instead of providing a concrete type as the function’s return type, the return value is described in terms of the protocols it supports. Hiding type information is useful at boundaries between a module and code that calls into the module, because the underlying type of the return value can remain private. Unlike returning a value whose type is a protocol type, opaque types preserve type identity—the compiler has access to the type information, but clients of the module don’t.</a:t>
+            </a:r>
+            <a:endParaRPr lang="en-GB" i="1" dirty="0"/>
+          </a:p>
+          <a:p>
+            <a:pPr marL="0" indent="0">
+              <a:buNone/>
+            </a:pPr>
+            <a:endParaRPr lang="en-UA" dirty="0"/>
+          </a:p>
+          <a:p>
+            <a:pPr marL="0" indent="0">
+              <a:buNone/>
+            </a:pPr>
+            <a:endParaRPr lang="en-UA" dirty="0"/>
+          </a:p>
+        </p:txBody>
+      </p:sp>
+      <p:sp>
+        <p:nvSpPr>
+          <p:cNvPr id="4" name="TextBox 3">
+            <a:extLst>
+              <a:ext uri="{FF2B5EF4-FFF2-40B4-BE49-F238E27FC236}">
+                <a16:creationId xmlns:a16="http://schemas.microsoft.com/office/drawing/2014/main" id="{A5581403-0F74-748C-CDB9-BC18E2432E93}"/>
+              </a:ext>
+            </a:extLst>
+          </p:cNvPr>
+          <p:cNvSpPr txBox="1"/>
+          <p:nvPr/>
+        </p:nvSpPr>
+        <p:spPr>
+          <a:xfrm>
+            <a:off x="1154954" y="6087894"/>
+            <a:ext cx="8900809" cy="369332"/>
+          </a:xfrm>
+          <a:prstGeom prst="rect">
+            <a:avLst/>
+          </a:prstGeom>
+          <a:noFill/>
+        </p:spPr>
+        <p:txBody>
+          <a:bodyPr wrap="square" rtlCol="0">
+            <a:spAutoFit/>
+          </a:bodyPr>
+          <a:lstStyle/>
+          <a:p>
+            <a:r>
+              <a:rPr lang="en-GB" i="1" u="sng" dirty="0"/>
+              <a:t>https://</a:t>
+            </a:r>
+            <a:r>
+              <a:rPr lang="en-GB" i="1" u="sng" dirty="0" err="1"/>
+              <a:t>docs.swift.org</a:t>
+            </a:r>
+            <a:r>
+              <a:rPr lang="en-GB" i="1" u="sng" dirty="0"/>
+              <a:t>/swift-book/</a:t>
+            </a:r>
+            <a:r>
+              <a:rPr lang="en-GB" i="1" u="sng" dirty="0" err="1"/>
+              <a:t>LanguageGuide</a:t>
+            </a:r>
+            <a:r>
+              <a:rPr lang="en-GB" i="1" u="sng" dirty="0"/>
+              <a:t>/</a:t>
+            </a:r>
+            <a:r>
+              <a:rPr lang="en-GB" i="1" u="sng" dirty="0" err="1"/>
+              <a:t>OpaqueTypes.html</a:t>
+            </a:r>
+            <a:endParaRPr lang="en-UA" i="1" u="sng" dirty="0"/>
+          </a:p>
+        </p:txBody>
+      </p:sp>
+    </p:spTree>
+    <p:extLst>
+      <p:ext uri="{BB962C8B-B14F-4D97-AF65-F5344CB8AC3E}">
+        <p14:creationId xmlns:p14="http://schemas.microsoft.com/office/powerpoint/2010/main" val="2878704641"/>
+      </p:ext>
+    </p:extLst>
+  </p:cSld>
+  <p:clrMapOvr>
+    <a:masterClrMapping/>
+  </p:clrMapOvr>
+  <p:transition spd="slow">
+    <p:wipe/>
+  </p:transition>
+</p:sld>
+</file>
+
+<file path=ppt/slides/slide5.xml><?xml version="1.0" encoding="utf-8"?>
+<p:sld xmlns:a="http://schemas.openxmlformats.org/drawingml/2006/main" xmlns:r="http://schemas.openxmlformats.org/officeDocument/2006/relationships" xmlns:p="http://schemas.openxmlformats.org/presentationml/2006/main">
+  <p:cSld>
+    <p:spTree>
+      <p:nvGrpSpPr>
+        <p:cNvPr id="1" name=""/>
+        <p:cNvGrpSpPr/>
+        <p:nvPr/>
+      </p:nvGrpSpPr>
+      <p:grpSpPr>
+        <a:xfrm>
+          <a:off x="0" y="0"/>
+          <a:ext cx="0" cy="0"/>
+          <a:chOff x="0" y="0"/>
+          <a:chExt cx="0" cy="0"/>
+        </a:xfrm>
+      </p:grpSpPr>
+      <p:sp>
+        <p:nvSpPr>
+          <p:cNvPr id="2" name="Title 1">
+            <a:extLst>
+              <a:ext uri="{FF2B5EF4-FFF2-40B4-BE49-F238E27FC236}">
                 <a16:creationId xmlns:a16="http://schemas.microsoft.com/office/drawing/2014/main" id="{7F9CE79F-F7C0-CE4D-1A04-CC88975A0EA4}"/>
               </a:ext>
             </a:extLst>
@@ -15751,7 +15907,7 @@
 </p:sld>
 </file>
 
-<file path=ppt/slides/slide5.xml><?xml version="1.0" encoding="utf-8"?>
+<file path=ppt/slides/slide6.xml><?xml version="1.0" encoding="utf-8"?>
 <p:sld xmlns:a="http://schemas.openxmlformats.org/drawingml/2006/main" xmlns:r="http://schemas.openxmlformats.org/officeDocument/2006/relationships" xmlns:p="http://schemas.openxmlformats.org/presentationml/2006/main">
   <p:cSld>
     <p:spTree>
@@ -16234,7 +16390,7 @@
 </p:sld>
 </file>
 
-<file path=ppt/slides/slide6.xml><?xml version="1.0" encoding="utf-8"?>
+<file path=ppt/slides/slide7.xml><?xml version="1.0" encoding="utf-8"?>
 <p:sld xmlns:a="http://schemas.openxmlformats.org/drawingml/2006/main" xmlns:r="http://schemas.openxmlformats.org/officeDocument/2006/relationships" xmlns:p="http://schemas.openxmlformats.org/presentationml/2006/main">
   <p:cSld>
     <p:spTree>
@@ -16332,7 +16488,7 @@
 </p:sld>
 </file>
 
-<file path=ppt/slides/slide7.xml><?xml version="1.0" encoding="utf-8"?>
+<file path=ppt/slides/slide8.xml><?xml version="1.0" encoding="utf-8"?>
 <p:sld xmlns:a="http://schemas.openxmlformats.org/drawingml/2006/main" xmlns:r="http://schemas.openxmlformats.org/officeDocument/2006/relationships" xmlns:p="http://schemas.openxmlformats.org/presentationml/2006/main">
   <p:cSld>
     <p:spTree>
@@ -16459,7 +16615,7 @@
 </p:sld>
 </file>
 
-<file path=ppt/slides/slide8.xml><?xml version="1.0" encoding="utf-8"?>
+<file path=ppt/slides/slide9.xml><?xml version="1.0" encoding="utf-8"?>
 <p:sld xmlns:a="http://schemas.openxmlformats.org/drawingml/2006/main" xmlns:r="http://schemas.openxmlformats.org/officeDocument/2006/relationships" xmlns:p="http://schemas.openxmlformats.org/presentationml/2006/main">
   <p:cSld>
     <p:spTree>
@@ -16617,162 +16773,6 @@
     <p:extLst>
       <p:ext uri="{BB962C8B-B14F-4D97-AF65-F5344CB8AC3E}">
         <p14:creationId xmlns:p14="http://schemas.microsoft.com/office/powerpoint/2010/main" val="1591103208"/>
-      </p:ext>
-    </p:extLst>
-  </p:cSld>
-  <p:clrMapOvr>
-    <a:masterClrMapping/>
-  </p:clrMapOvr>
-  <p:transition spd="slow">
-    <p:wipe/>
-  </p:transition>
-</p:sld>
-</file>
-
-<file path=ppt/slides/slide9.xml><?xml version="1.0" encoding="utf-8"?>
-<p:sld xmlns:a="http://schemas.openxmlformats.org/drawingml/2006/main" xmlns:r="http://schemas.openxmlformats.org/officeDocument/2006/relationships" xmlns:p="http://schemas.openxmlformats.org/presentationml/2006/main">
-  <p:cSld>
-    <p:spTree>
-      <p:nvGrpSpPr>
-        <p:cNvPr id="1" name=""/>
-        <p:cNvGrpSpPr/>
-        <p:nvPr/>
-      </p:nvGrpSpPr>
-      <p:grpSpPr>
-        <a:xfrm>
-          <a:off x="0" y="0"/>
-          <a:ext cx="0" cy="0"/>
-          <a:chOff x="0" y="0"/>
-          <a:chExt cx="0" cy="0"/>
-        </a:xfrm>
-      </p:grpSpPr>
-      <p:sp>
-        <p:nvSpPr>
-          <p:cNvPr id="2" name="Title 1">
-            <a:extLst>
-              <a:ext uri="{FF2B5EF4-FFF2-40B4-BE49-F238E27FC236}">
-                <a16:creationId xmlns:a16="http://schemas.microsoft.com/office/drawing/2014/main" id="{BF98816B-A2A9-8B0B-5DA2-7EE53375F753}"/>
-              </a:ext>
-            </a:extLst>
-          </p:cNvPr>
-          <p:cNvSpPr>
-            <a:spLocks noGrp="1"/>
-          </p:cNvSpPr>
-          <p:nvPr>
-            <p:ph type="title"/>
-          </p:nvPr>
-        </p:nvSpPr>
-        <p:spPr/>
-        <p:txBody>
-          <a:bodyPr/>
-          <a:lstStyle/>
-          <a:p>
-            <a:pPr algn="r"/>
-            <a:r>
-              <a:rPr lang="en-GB" b="1" dirty="0"/>
-              <a:t>Lists and Navigation</a:t>
-            </a:r>
-          </a:p>
-        </p:txBody>
-      </p:sp>
-      <p:sp>
-        <p:nvSpPr>
-          <p:cNvPr id="3" name="Content Placeholder 2">
-            <a:extLst>
-              <a:ext uri="{FF2B5EF4-FFF2-40B4-BE49-F238E27FC236}">
-                <a16:creationId xmlns:a16="http://schemas.microsoft.com/office/drawing/2014/main" id="{8AB50ED3-3BCE-4FD7-2F39-6C08E2AA38FE}"/>
-              </a:ext>
-            </a:extLst>
-          </p:cNvPr>
-          <p:cNvSpPr>
-            <a:spLocks noGrp="1"/>
-          </p:cNvSpPr>
-          <p:nvPr>
-            <p:ph idx="1"/>
-          </p:nvPr>
-        </p:nvSpPr>
-        <p:spPr/>
-        <p:txBody>
-          <a:bodyPr/>
-          <a:lstStyle/>
-          <a:p>
-            <a:pPr marL="0" indent="0">
-              <a:buNone/>
-            </a:pPr>
-            <a:r>
-              <a:rPr lang="en-UA" dirty="0"/>
-              <a:t>Creating components that refers to the multiple elements are performed with elements:</a:t>
-            </a:r>
-          </a:p>
-          <a:p>
-            <a:r>
-              <a:rPr lang="en-GB" dirty="0"/>
-              <a:t>List – to create similar view to table view</a:t>
-            </a:r>
-          </a:p>
-          <a:p>
-            <a:r>
-              <a:rPr lang="en-GB" dirty="0" err="1"/>
-              <a:t>ForEach</a:t>
-            </a:r>
-            <a:r>
-              <a:rPr lang="en-GB" dirty="0"/>
-              <a:t> – takes a list of elements with section separation and control. </a:t>
-            </a:r>
-            <a:r>
-              <a:rPr lang="en-GB" dirty="0" err="1"/>
-              <a:t>Comonly</a:t>
-            </a:r>
-            <a:r>
-              <a:rPr lang="en-GB" dirty="0"/>
-              <a:t> is used under List parent to define scrollable area</a:t>
-            </a:r>
-          </a:p>
-          <a:p>
-            <a:r>
-              <a:rPr lang="en-GB" dirty="0" err="1"/>
-              <a:t>ScrollView</a:t>
-            </a:r>
-            <a:r>
-              <a:rPr lang="en-GB" dirty="0"/>
-              <a:t> – takes views that can be extended to be able to scroll items if they are out of the screen</a:t>
-            </a:r>
-          </a:p>
-          <a:p>
-            <a:r>
-              <a:rPr lang="en-GB" dirty="0" err="1"/>
-              <a:t>NavigationView</a:t>
-            </a:r>
-            <a:r>
-              <a:rPr lang="en-GB" dirty="0"/>
-              <a:t> and </a:t>
-            </a:r>
-            <a:r>
-              <a:rPr lang="en-GB" dirty="0" err="1"/>
-              <a:t>NavigationLink</a:t>
-            </a:r>
-            <a:r>
-              <a:rPr lang="en-GB" dirty="0"/>
-              <a:t> – elements that represents navigation in the app. Commonly are similar to </a:t>
-            </a:r>
-            <a:r>
-              <a:rPr lang="en-GB" dirty="0" err="1"/>
-              <a:t>UINavigationViewController</a:t>
-            </a:r>
-            <a:r>
-              <a:rPr lang="en-GB" dirty="0"/>
-              <a:t> but are less responsible for the presentation and defining only the routing</a:t>
-            </a:r>
-          </a:p>
-          <a:p>
-            <a:endParaRPr lang="en-UA" dirty="0"/>
-          </a:p>
-        </p:txBody>
-      </p:sp>
-    </p:spTree>
-    <p:extLst>
-      <p:ext uri="{BB962C8B-B14F-4D97-AF65-F5344CB8AC3E}">
-        <p14:creationId xmlns:p14="http://schemas.microsoft.com/office/powerpoint/2010/main" val="2111091843"/>
       </p:ext>
     </p:extLst>
   </p:cSld>
